--- a/docs/卒業制作プライベートクラウド-企画.pptx
+++ b/docs/卒業制作プライベートクラウド-企画.pptx
@@ -135,15 +135,6 @@
   <p188:author id="{F015E61F-EC9F-13C5-3D7C-D877B53227B8}" name="金子颯馬" initials="颯金" userId="S::k022c0087@m.neec.ac.jp::c214fffc-260a-450e-a4a8-e95e5313a4c1" providerId="AD"/>
   <p188:author id="{089E36BE-3959-28C2-283E-D8AE3918E24B}" name="岡村 梨良" initials="梨岡" userId="S::k022c0098@m.neec.ac.jp::bd15a854-7d06-45f0-ac24-79aa970813ef" providerId="AD"/>
 </p188:authorLst>
-</file>
-
-<file path=ppt/revisionInfo.xml><?xml version="1.0" encoding="utf-8"?>
-<p1510:revInfo xmlns:a="http://schemas.openxmlformats.org/drawingml/2006/main" xmlns:r="http://schemas.openxmlformats.org/officeDocument/2006/relationships" xmlns:p1510="http://schemas.microsoft.com/office/powerpoint/2015/10/main">
-  <p1510:revLst>
-    <p1510:client id="{122A48A5-ACF7-475D-9044-2313077F3ECB}" v="15" dt="2025-05-27T03:05:09.793"/>
-    <p1510:client id="{3C6CB7AA-8DD8-4160-BA84-35FA35338B9F}" v="4932" dt="2025-05-27T05:50:23.241"/>
-  </p1510:revLst>
-</p1510:revInfo>
 </file>
 
 <file path=ppt/comments/modernComment_101_E8E4948.xml><?xml version="1.0" encoding="utf-8"?>

--- a/docs/卒業制作プライベートクラウド-企画.pptx
+++ b/docs/卒業制作プライベートクラウド-企画.pptx
@@ -11311,7 +11311,17 @@
                 <a:latin typeface="ＭＳ Ｐゴシック" panose="020B0600070205080204" pitchFamily="50" charset="-128"/>
                 <a:ea typeface="ＭＳ Ｐゴシック" panose="020B0600070205080204" pitchFamily="50" charset="-128"/>
               </a:rPr>
-              <a:t>手が出せない人間もいる　←こういう人を幸せにしたい</a:t>
+              <a:t>手が出せない人間もいる　←</a:t>
+            </a:r>
+            <a:r>
+              <a:rPr kumimoji="1" lang="ja-JP" altLang="en-US" sz="2400" b="1" u="sng" dirty="0">
+                <a:solidFill>
+                  <a:srgbClr val="FF0000"/>
+                </a:solidFill>
+                <a:latin typeface="ＭＳ Ｐゴシック" panose="020B0600070205080204" pitchFamily="50" charset="-128"/>
+                <a:ea typeface="ＭＳ Ｐゴシック" panose="020B0600070205080204" pitchFamily="50" charset="-128"/>
+              </a:rPr>
+              <a:t>こういう人を幸せにしたい</a:t>
             </a:r>
           </a:p>
         </p:txBody>
@@ -11376,30 +11386,37 @@
                 <a:latin typeface="ＭＳ Ｐゴシック" panose="020B0600070205080204" pitchFamily="50" charset="-128"/>
                 <a:ea typeface="ＭＳ Ｐゴシック" panose="020B0600070205080204" pitchFamily="50" charset="-128"/>
               </a:rPr>
-              <a:t>回触るだけ　←実機サーバーやクラウド環境に触れる</a:t>
-            </a:r>
-            <a:endParaRPr kumimoji="1" lang="en-US" altLang="ja-JP" sz="2400" dirty="0">
+              <a:t>回触るだけ　←</a:t>
+            </a:r>
+            <a:r>
+              <a:rPr kumimoji="1" lang="ja-JP" altLang="en-US" sz="2400" b="1" u="sng" dirty="0">
+                <a:latin typeface="ＭＳ Ｐゴシック" panose="020B0600070205080204" pitchFamily="50" charset="-128"/>
+                <a:ea typeface="ＭＳ Ｐゴシック" panose="020B0600070205080204" pitchFamily="50" charset="-128"/>
+              </a:rPr>
+              <a:t>実機サーバーやクラウド環境に触れる</a:t>
+            </a:r>
+            <a:endParaRPr kumimoji="1" lang="en-US" altLang="ja-JP" sz="2400" b="1" u="sng" dirty="0">
               <a:latin typeface="ＭＳ Ｐゴシック" panose="020B0600070205080204" pitchFamily="50" charset="-128"/>
               <a:ea typeface="ＭＳ Ｐゴシック" panose="020B0600070205080204" pitchFamily="50" charset="-128"/>
             </a:endParaRPr>
           </a:p>
           <a:p>
             <a:r>
-              <a:rPr kumimoji="1" lang="ja-JP" altLang="en-US" sz="2400" dirty="0">
+              <a:rPr kumimoji="1" lang="ja-JP" altLang="en-US" sz="2400" b="1" u="sng" dirty="0">
                 <a:latin typeface="ＭＳ Ｐゴシック" panose="020B0600070205080204" pitchFamily="50" charset="-128"/>
                 <a:ea typeface="ＭＳ Ｐゴシック" panose="020B0600070205080204" pitchFamily="50" charset="-128"/>
               </a:rPr>
               <a:t>機会を増やし、より深く</a:t>
             </a:r>
             <a:r>
-              <a:rPr kumimoji="1" lang="en-US" altLang="ja-JP" sz="2400" dirty="0">
+              <a:rPr kumimoji="1" lang="en-US" altLang="ja-JP" sz="2400" b="1" u="sng" dirty="0">
                 <a:latin typeface="ＭＳ Ｐゴシック" panose="020B0600070205080204" pitchFamily="50" charset="-128"/>
                 <a:ea typeface="ＭＳ Ｐゴシック" panose="020B0600070205080204" pitchFamily="50" charset="-128"/>
               </a:rPr>
               <a:t>IT</a:t>
             </a:r>
             <a:r>
-              <a:rPr kumimoji="1" lang="ja-JP" altLang="en-US" sz="2400" dirty="0">
+              <a:rPr kumimoji="1" lang="ja-JP" altLang="en-US" sz="2400" b="1" u="sng" dirty="0">
                 <a:latin typeface="ＭＳ Ｐゴシック" panose="020B0600070205080204" pitchFamily="50" charset="-128"/>
                 <a:ea typeface="ＭＳ Ｐゴシック" panose="020B0600070205080204" pitchFamily="50" charset="-128"/>
               </a:rPr>
@@ -11551,23 +11568,22 @@
           </a:p>
           <a:p>
             <a:r>
+              <a:rPr kumimoji="1" lang="ja-JP" altLang="en-US" u="sng" dirty="0">
+                <a:solidFill>
+                  <a:srgbClr val="FF0000"/>
+                </a:solidFill>
+                <a:latin typeface="ＭＳ Ｐゴシック" panose="020B0600070205080204" pitchFamily="50" charset="-128"/>
+                <a:ea typeface="ＭＳ Ｐゴシック" panose="020B0600070205080204" pitchFamily="50" charset="-128"/>
+              </a:rPr>
+              <a:t>小規模でサーバーのリソースを貸し出しできる個人運用可能なクラウドシステム</a:t>
+            </a:r>
+            <a:r>
               <a:rPr kumimoji="1" lang="ja-JP" altLang="en-US" dirty="0">
                 <a:latin typeface="ＭＳ Ｐゴシック" panose="020B0600070205080204" pitchFamily="50" charset="-128"/>
                 <a:ea typeface="ＭＳ Ｐゴシック" panose="020B0600070205080204" pitchFamily="50" charset="-128"/>
               </a:rPr>
-              <a:t>小規模でサーバーのリソースを貸し出しできる個人運用可能なクラウドシステムのことを</a:t>
-            </a:r>
-            <a:r>
-              <a:rPr kumimoji="1" lang="ja-JP" altLang="en-US">
-                <a:latin typeface="ＭＳ Ｐゴシック" panose="020B0600070205080204" pitchFamily="50" charset="-128"/>
-                <a:ea typeface="ＭＳ Ｐゴシック" panose="020B0600070205080204" pitchFamily="50" charset="-128"/>
-              </a:rPr>
-              <a:t>指す</a:t>
-            </a:r>
-            <a:endParaRPr kumimoji="1" lang="ja-JP" altLang="en-US" dirty="0">
-              <a:latin typeface="ＭＳ Ｐゴシック" panose="020B0600070205080204" pitchFamily="50" charset="-128"/>
-              <a:ea typeface="ＭＳ Ｐゴシック" panose="020B0600070205080204" pitchFamily="50" charset="-128"/>
-            </a:endParaRPr>
+              <a:t>のことを指す</a:t>
+            </a:r>
           </a:p>
         </p:txBody>
       </p:sp>
